--- a/report/operation_implementation_presentation.pptx
+++ b/report/operation_implementation_presentation.pptx
@@ -8,8 +8,9 @@
     <p:sldId id="257" r:id="rId2"/>
     <p:sldId id="259" r:id="rId3"/>
     <p:sldId id="258" r:id="rId4"/>
-    <p:sldId id="260" r:id="rId5"/>
-    <p:sldId id="261" r:id="rId6"/>
+    <p:sldId id="262" r:id="rId5"/>
+    <p:sldId id="260" r:id="rId6"/>
+    <p:sldId id="261" r:id="rId7"/>
   </p:sldIdLst>
   <p:sldSz cx="9144000" cy="6858000" type="screen4x3"/>
   <p:notesSz cx="6858000" cy="9144000"/>
@@ -3319,7 +3320,7 @@
         </p:nvSpPr>
         <p:spPr>
           <a:xfrm>
-            <a:off x="467544" y="-243408"/>
+            <a:off x="467544" y="188640"/>
             <a:ext cx="8229600" cy="1143000"/>
           </a:xfrm>
         </p:spPr>
@@ -3333,7 +3334,11 @@
             </a:r>
             <a:r>
               <a:rPr lang="en-GB" dirty="0" smtClean="0"/>
-              <a:t> Multiplication</a:t>
+              <a:t> </a:t>
+            </a:r>
+            <a:r>
+              <a:rPr lang="en-GB" dirty="0" smtClean="0"/>
+              <a:t>Multiplication (1)</a:t>
             </a:r>
             <a:endParaRPr lang="en-GB" dirty="0"/>
           </a:p>
@@ -3341,7 +3346,7 @@
       </p:sp>
       <p:pic>
         <p:nvPicPr>
-          <p:cNvPr id="4" name="Content Placeholder 3"/>
+          <p:cNvPr id="5" name="Content Placeholder 4"/>
           <p:cNvPicPr>
             <a:picLocks noGrp="1" noChangeAspect="1"/>
           </p:cNvPicPr>
@@ -3363,8 +3368,8 @@
         </p:blipFill>
         <p:spPr>
           <a:xfrm>
-            <a:off x="2411760" y="548680"/>
-            <a:ext cx="4320480" cy="6217277"/>
+            <a:off x="457200" y="2005329"/>
+            <a:ext cx="8229600" cy="3715705"/>
           </a:xfrm>
         </p:spPr>
       </p:pic>
@@ -3413,6 +3418,96 @@
           <a:chExt cx="0" cy="0"/>
         </a:xfrm>
       </p:grpSpPr>
+      <p:sp>
+        <p:nvSpPr>
+          <p:cNvPr id="2" name="Title 1"/>
+          <p:cNvSpPr>
+            <a:spLocks noGrp="1"/>
+          </p:cNvSpPr>
+          <p:nvPr>
+            <p:ph type="title"/>
+          </p:nvPr>
+        </p:nvSpPr>
+        <p:spPr/>
+        <p:txBody>
+          <a:bodyPr/>
+          <a:lstStyle/>
+          <a:p>
+            <a:r>
+              <a:rPr lang="en-GB" dirty="0" err="1"/>
+              <a:t>Karatsuba</a:t>
+            </a:r>
+            <a:r>
+              <a:rPr lang="en-GB" dirty="0"/>
+              <a:t> Multiplication </a:t>
+            </a:r>
+            <a:r>
+              <a:rPr lang="en-GB" dirty="0" smtClean="0"/>
+              <a:t>(2)</a:t>
+            </a:r>
+            <a:endParaRPr lang="en-GB" dirty="0"/>
+          </a:p>
+        </p:txBody>
+      </p:sp>
+      <p:pic>
+        <p:nvPicPr>
+          <p:cNvPr id="4" name="Content Placeholder 3"/>
+          <p:cNvPicPr>
+            <a:picLocks noGrp="1" noChangeAspect="1"/>
+          </p:cNvPicPr>
+          <p:nvPr>
+            <p:ph idx="1"/>
+          </p:nvPr>
+        </p:nvPicPr>
+        <p:blipFill>
+          <a:blip r:embed="rId2">
+            <a:extLst>
+              <a:ext uri="{28A0092B-C50C-407E-A947-70E740481C1C}">
+                <a14:useLocalDpi xmlns:a14="http://schemas.microsoft.com/office/drawing/2010/main" val="0"/>
+              </a:ext>
+            </a:extLst>
+          </a:blip>
+          <a:stretch>
+            <a:fillRect/>
+          </a:stretch>
+        </p:blipFill>
+        <p:spPr>
+          <a:xfrm>
+            <a:off x="1691680" y="1628800"/>
+            <a:ext cx="5129095" cy="4485134"/>
+          </a:xfrm>
+        </p:spPr>
+      </p:pic>
+    </p:spTree>
+    <p:extLst>
+      <p:ext uri="{BB962C8B-B14F-4D97-AF65-F5344CB8AC3E}">
+        <p14:creationId xmlns:p14="http://schemas.microsoft.com/office/powerpoint/2010/main" val="1661906568"/>
+      </p:ext>
+    </p:extLst>
+  </p:cSld>
+  <p:clrMapOvr>
+    <a:masterClrMapping/>
+  </p:clrMapOvr>
+</p:sld>
+</file>
+
+<file path=ppt/slides/slide5.xml><?xml version="1.0" encoding="utf-8"?>
+<p:sld xmlns:a="http://schemas.openxmlformats.org/drawingml/2006/main" xmlns:r="http://schemas.openxmlformats.org/officeDocument/2006/relationships" xmlns:p="http://schemas.openxmlformats.org/presentationml/2006/main">
+  <p:cSld>
+    <p:spTree>
+      <p:nvGrpSpPr>
+        <p:cNvPr id="1" name=""/>
+        <p:cNvGrpSpPr/>
+        <p:nvPr/>
+      </p:nvGrpSpPr>
+      <p:grpSpPr>
+        <a:xfrm>
+          <a:off x="0" y="0"/>
+          <a:ext cx="0" cy="0"/>
+          <a:chOff x="0" y="0"/>
+          <a:chExt cx="0" cy="0"/>
+        </a:xfrm>
+      </p:grpSpPr>
       <p:pic>
         <p:nvPicPr>
           <p:cNvPr id="4" name="Picture 3"/>
@@ -3582,7 +3677,7 @@
 </p:sld>
 </file>
 
-<file path=ppt/slides/slide5.xml><?xml version="1.0" encoding="utf-8"?>
+<file path=ppt/slides/slide6.xml><?xml version="1.0" encoding="utf-8"?>
 <p:sld xmlns:a="http://schemas.openxmlformats.org/drawingml/2006/main" xmlns:r="http://schemas.openxmlformats.org/officeDocument/2006/relationships" xmlns:p="http://schemas.openxmlformats.org/presentationml/2006/main">
   <p:cSld>
     <p:spTree>
